--- a/Review 1.pptx
+++ b/Review 1.pptx
@@ -177,10 +177,9 @@
           </a:lstStyle>
           <a:p>
             <a:r>
-              <a:rPr lang="en-IN" smtClean="0"/>
+              <a:rPr lang="en-IN"/>
               <a:t>Engineering Clinics Review 1</a:t>
             </a:r>
-            <a:endParaRPr lang="en-IN"/>
           </a:p>
         </p:txBody>
       </p:sp>
@@ -213,7 +212,7 @@
           <a:p>
             <a:fld id="{2586878E-A18C-4B30-94C8-45091EF73C13}" type="datetimeFigureOut">
               <a:rPr lang="en-IN" smtClean="0"/>
-              <a:t>14-08-2019</a:t>
+              <a:t>30-06-2021</a:t>
             </a:fld>
             <a:endParaRPr lang="en-IN"/>
           </a:p>
@@ -347,10 +346,9 @@
           </a:lstStyle>
           <a:p>
             <a:r>
-              <a:rPr lang="en-IN" smtClean="0"/>
+              <a:rPr lang="en-IN"/>
               <a:t>Engineering Clinics Review 1</a:t>
             </a:r>
-            <a:endParaRPr lang="en-IN"/>
           </a:p>
         </p:txBody>
       </p:sp>
@@ -383,7 +381,7 @@
           <a:p>
             <a:fld id="{684D82ED-1D15-441E-B686-E01A245E4615}" type="datetimeFigureOut">
               <a:rPr lang="en-IN" smtClean="0"/>
-              <a:t>14-08-2019</a:t>
+              <a:t>30-06-2021</a:t>
             </a:fld>
             <a:endParaRPr lang="en-IN"/>
           </a:p>
@@ -447,35 +445,35 @@
           <a:p>
             <a:pPr lvl="0"/>
             <a:r>
-              <a:rPr lang="en-US" smtClean="0"/>
+              <a:rPr lang="en-US"/>
               <a:t>Edit Master text styles</a:t>
             </a:r>
           </a:p>
           <a:p>
             <a:pPr lvl="1"/>
             <a:r>
-              <a:rPr lang="en-US" smtClean="0"/>
+              <a:rPr lang="en-US"/>
               <a:t>Second level</a:t>
             </a:r>
           </a:p>
           <a:p>
             <a:pPr lvl="2"/>
             <a:r>
-              <a:rPr lang="en-US" smtClean="0"/>
+              <a:rPr lang="en-US"/>
               <a:t>Third level</a:t>
             </a:r>
           </a:p>
           <a:p>
             <a:pPr lvl="3"/>
             <a:r>
-              <a:rPr lang="en-US" smtClean="0"/>
+              <a:rPr lang="en-US"/>
               <a:t>Fourth level</a:t>
             </a:r>
           </a:p>
           <a:p>
             <a:pPr lvl="4"/>
             <a:r>
-              <a:rPr lang="en-US" smtClean="0"/>
+              <a:rPr lang="en-US"/>
               <a:t>Fifth level</a:t>
             </a:r>
             <a:endParaRPr lang="en-IN"/>
@@ -782,7 +780,7 @@
           </a:lstStyle>
           <a:p>
             <a:r>
-              <a:rPr lang="en-US" smtClean="0"/>
+              <a:rPr lang="en-US"/>
               <a:t>Click to edit Master title style</a:t>
             </a:r>
             <a:endParaRPr lang="en-US" dirty="0"/>
@@ -854,7 +852,7 @@
           </a:lstStyle>
           <a:p>
             <a:r>
-              <a:rPr lang="en-US" smtClean="0"/>
+              <a:rPr lang="en-US"/>
               <a:t>Click to edit Master subtitle style</a:t>
             </a:r>
             <a:endParaRPr lang="en-US" dirty="0"/>
@@ -878,7 +876,7 @@
           <a:p>
             <a:fld id="{846E3787-EC38-4F04-BD05-B6837FC0DD45}" type="datetime1">
               <a:rPr lang="en-IN" smtClean="0"/>
-              <a:t>14-08-2019</a:t>
+              <a:t>30-06-2021</a:t>
             </a:fld>
             <a:endParaRPr lang="en-IN"/>
           </a:p>
@@ -900,10 +898,9 @@
           <a:lstStyle/>
           <a:p>
             <a:r>
-              <a:rPr lang="en-IN" smtClean="0"/>
+              <a:rPr lang="en-IN"/>
               <a:t>VIT-AP University, Amaravati</a:t>
             </a:r>
-            <a:endParaRPr lang="en-IN"/>
           </a:p>
         </p:txBody>
       </p:sp>
@@ -1014,7 +1011,7 @@
           <a:lstStyle/>
           <a:p>
             <a:r>
-              <a:rPr lang="en-US" smtClean="0"/>
+              <a:rPr lang="en-US"/>
               <a:t>Click to edit Master title style</a:t>
             </a:r>
             <a:endParaRPr lang="en-US" dirty="0"/>
@@ -1038,35 +1035,35 @@
           <a:p>
             <a:pPr lvl="0"/>
             <a:r>
-              <a:rPr lang="en-US" smtClean="0"/>
+              <a:rPr lang="en-US"/>
               <a:t>Edit Master text styles</a:t>
             </a:r>
           </a:p>
           <a:p>
             <a:pPr lvl="1"/>
             <a:r>
-              <a:rPr lang="en-US" smtClean="0"/>
+              <a:rPr lang="en-US"/>
               <a:t>Second level</a:t>
             </a:r>
           </a:p>
           <a:p>
             <a:pPr lvl="2"/>
             <a:r>
-              <a:rPr lang="en-US" smtClean="0"/>
+              <a:rPr lang="en-US"/>
               <a:t>Third level</a:t>
             </a:r>
           </a:p>
           <a:p>
             <a:pPr lvl="3"/>
             <a:r>
-              <a:rPr lang="en-US" smtClean="0"/>
+              <a:rPr lang="en-US"/>
               <a:t>Fourth level</a:t>
             </a:r>
           </a:p>
           <a:p>
             <a:pPr lvl="4"/>
             <a:r>
-              <a:rPr lang="en-US" smtClean="0"/>
+              <a:rPr lang="en-US"/>
               <a:t>Fifth level</a:t>
             </a:r>
             <a:endParaRPr lang="en-US" dirty="0"/>
@@ -1090,7 +1087,7 @@
           <a:p>
             <a:fld id="{66F5F70D-E3E4-4DD4-82AF-3E10A5F918B9}" type="datetime1">
               <a:rPr lang="en-IN" smtClean="0"/>
-              <a:t>14-08-2019</a:t>
+              <a:t>30-06-2021</a:t>
             </a:fld>
             <a:endParaRPr lang="en-IN"/>
           </a:p>
@@ -1112,10 +1109,9 @@
           <a:lstStyle/>
           <a:p>
             <a:r>
-              <a:rPr lang="en-IN" smtClean="0"/>
+              <a:rPr lang="en-IN"/>
               <a:t>VIT-AP University, Amaravati</a:t>
             </a:r>
-            <a:endParaRPr lang="en-IN"/>
           </a:p>
         </p:txBody>
       </p:sp>
@@ -1269,7 +1265,7 @@
           <a:lstStyle/>
           <a:p>
             <a:r>
-              <a:rPr lang="en-US" smtClean="0"/>
+              <a:rPr lang="en-US"/>
               <a:t>Click to edit Master title style</a:t>
             </a:r>
             <a:endParaRPr lang="en-US" dirty="0"/>
@@ -1298,35 +1294,35 @@
           <a:p>
             <a:pPr lvl="0"/>
             <a:r>
-              <a:rPr lang="en-US" smtClean="0"/>
+              <a:rPr lang="en-US"/>
               <a:t>Edit Master text styles</a:t>
             </a:r>
           </a:p>
           <a:p>
             <a:pPr lvl="1"/>
             <a:r>
-              <a:rPr lang="en-US" smtClean="0"/>
+              <a:rPr lang="en-US"/>
               <a:t>Second level</a:t>
             </a:r>
           </a:p>
           <a:p>
             <a:pPr lvl="2"/>
             <a:r>
-              <a:rPr lang="en-US" smtClean="0"/>
+              <a:rPr lang="en-US"/>
               <a:t>Third level</a:t>
             </a:r>
           </a:p>
           <a:p>
             <a:pPr lvl="3"/>
             <a:r>
-              <a:rPr lang="en-US" smtClean="0"/>
+              <a:rPr lang="en-US"/>
               <a:t>Fourth level</a:t>
             </a:r>
           </a:p>
           <a:p>
             <a:pPr lvl="4"/>
             <a:r>
-              <a:rPr lang="en-US" smtClean="0"/>
+              <a:rPr lang="en-US"/>
               <a:t>Fifth level</a:t>
             </a:r>
             <a:endParaRPr lang="en-US" dirty="0"/>
@@ -1350,7 +1346,7 @@
           <a:p>
             <a:fld id="{BB08A343-0E3D-420B-895B-F5FDB7A5DDEC}" type="datetime1">
               <a:rPr lang="en-IN" smtClean="0"/>
-              <a:t>14-08-2019</a:t>
+              <a:t>30-06-2021</a:t>
             </a:fld>
             <a:endParaRPr lang="en-IN"/>
           </a:p>
@@ -1372,10 +1368,9 @@
           <a:lstStyle/>
           <a:p>
             <a:r>
-              <a:rPr lang="en-IN" smtClean="0"/>
+              <a:rPr lang="en-IN"/>
               <a:t>VIT-AP University, Amaravati</a:t>
             </a:r>
-            <a:endParaRPr lang="en-IN"/>
           </a:p>
         </p:txBody>
       </p:sp>
@@ -1452,7 +1447,7 @@
           </a:lstStyle>
           <a:p>
             <a:r>
-              <a:rPr lang="en-US" smtClean="0"/>
+              <a:rPr lang="en-US"/>
               <a:t>Click to edit Master title style</a:t>
             </a:r>
             <a:endParaRPr lang="en-US" dirty="0"/>
@@ -1476,35 +1471,35 @@
           <a:p>
             <a:pPr lvl="0"/>
             <a:r>
-              <a:rPr lang="en-US" smtClean="0"/>
+              <a:rPr lang="en-US"/>
               <a:t>Edit Master text styles</a:t>
             </a:r>
           </a:p>
           <a:p>
             <a:pPr lvl="1"/>
             <a:r>
-              <a:rPr lang="en-US" smtClean="0"/>
+              <a:rPr lang="en-US"/>
               <a:t>Second level</a:t>
             </a:r>
           </a:p>
           <a:p>
             <a:pPr lvl="2"/>
             <a:r>
-              <a:rPr lang="en-US" smtClean="0"/>
+              <a:rPr lang="en-US"/>
               <a:t>Third level</a:t>
             </a:r>
           </a:p>
           <a:p>
             <a:pPr lvl="3"/>
             <a:r>
-              <a:rPr lang="en-US" smtClean="0"/>
+              <a:rPr lang="en-US"/>
               <a:t>Fourth level</a:t>
             </a:r>
           </a:p>
           <a:p>
             <a:pPr lvl="4"/>
             <a:r>
-              <a:rPr lang="en-US" smtClean="0"/>
+              <a:rPr lang="en-US"/>
               <a:t>Fifth level</a:t>
             </a:r>
             <a:endParaRPr lang="en-US" dirty="0"/>
@@ -1528,7 +1523,7 @@
           <a:p>
             <a:fld id="{6EDFFDCC-11D1-4F52-A9CB-BBBE88751C87}" type="datetime1">
               <a:rPr lang="en-IN" smtClean="0"/>
-              <a:t>14-08-2019</a:t>
+              <a:t>30-06-2021</a:t>
             </a:fld>
             <a:endParaRPr lang="en-IN"/>
           </a:p>
@@ -1550,10 +1545,9 @@
           <a:lstStyle/>
           <a:p>
             <a:r>
-              <a:rPr lang="en-IN" smtClean="0"/>
+              <a:rPr lang="en-IN"/>
               <a:t>VIT-AP University, Amaravati</a:t>
             </a:r>
-            <a:endParaRPr lang="en-IN"/>
           </a:p>
         </p:txBody>
       </p:sp>
@@ -1731,7 +1725,7 @@
           </a:lstStyle>
           <a:p>
             <a:r>
-              <a:rPr lang="en-US" smtClean="0"/>
+              <a:rPr lang="en-US"/>
               <a:t>Click to edit Master title style</a:t>
             </a:r>
             <a:endParaRPr lang="en-US" dirty="0"/>
@@ -1852,7 +1846,7 @@
           <a:p>
             <a:pPr lvl="0"/>
             <a:r>
-              <a:rPr lang="en-US" smtClean="0"/>
+              <a:rPr lang="en-US"/>
               <a:t>Edit Master text styles</a:t>
             </a:r>
           </a:p>
@@ -1875,7 +1869,7 @@
           <a:p>
             <a:fld id="{335D06B0-51E4-43BE-9B4F-1F244C62C37D}" type="datetime1">
               <a:rPr lang="en-IN" smtClean="0"/>
-              <a:t>14-08-2019</a:t>
+              <a:t>30-06-2021</a:t>
             </a:fld>
             <a:endParaRPr lang="en-IN"/>
           </a:p>
@@ -1897,10 +1891,9 @@
           <a:lstStyle/>
           <a:p>
             <a:r>
-              <a:rPr lang="en-IN" smtClean="0"/>
+              <a:rPr lang="en-IN"/>
               <a:t>VIT-AP University, Amaravati</a:t>
             </a:r>
-            <a:endParaRPr lang="en-IN"/>
           </a:p>
         </p:txBody>
       </p:sp>
@@ -2016,7 +2009,7 @@
           <a:lstStyle/>
           <a:p>
             <a:r>
-              <a:rPr lang="en-US" smtClean="0"/>
+              <a:rPr lang="en-US"/>
               <a:t>Click to edit Master title style</a:t>
             </a:r>
             <a:endParaRPr lang="en-US" dirty="0"/>
@@ -2045,35 +2038,35 @@
           <a:p>
             <a:pPr lvl="0"/>
             <a:r>
-              <a:rPr lang="en-US" smtClean="0"/>
+              <a:rPr lang="en-US"/>
               <a:t>Edit Master text styles</a:t>
             </a:r>
           </a:p>
           <a:p>
             <a:pPr lvl="1"/>
             <a:r>
-              <a:rPr lang="en-US" smtClean="0"/>
+              <a:rPr lang="en-US"/>
               <a:t>Second level</a:t>
             </a:r>
           </a:p>
           <a:p>
             <a:pPr lvl="2"/>
             <a:r>
-              <a:rPr lang="en-US" smtClean="0"/>
+              <a:rPr lang="en-US"/>
               <a:t>Third level</a:t>
             </a:r>
           </a:p>
           <a:p>
             <a:pPr lvl="3"/>
             <a:r>
-              <a:rPr lang="en-US" smtClean="0"/>
+              <a:rPr lang="en-US"/>
               <a:t>Fourth level</a:t>
             </a:r>
           </a:p>
           <a:p>
             <a:pPr lvl="4"/>
             <a:r>
-              <a:rPr lang="en-US" smtClean="0"/>
+              <a:rPr lang="en-US"/>
               <a:t>Fifth level</a:t>
             </a:r>
             <a:endParaRPr lang="en-US" dirty="0"/>
@@ -2102,35 +2095,35 @@
           <a:p>
             <a:pPr lvl="0"/>
             <a:r>
-              <a:rPr lang="en-US" smtClean="0"/>
+              <a:rPr lang="en-US"/>
               <a:t>Edit Master text styles</a:t>
             </a:r>
           </a:p>
           <a:p>
             <a:pPr lvl="1"/>
             <a:r>
-              <a:rPr lang="en-US" smtClean="0"/>
+              <a:rPr lang="en-US"/>
               <a:t>Second level</a:t>
             </a:r>
           </a:p>
           <a:p>
             <a:pPr lvl="2"/>
             <a:r>
-              <a:rPr lang="en-US" smtClean="0"/>
+              <a:rPr lang="en-US"/>
               <a:t>Third level</a:t>
             </a:r>
           </a:p>
           <a:p>
             <a:pPr lvl="3"/>
             <a:r>
-              <a:rPr lang="en-US" smtClean="0"/>
+              <a:rPr lang="en-US"/>
               <a:t>Fourth level</a:t>
             </a:r>
           </a:p>
           <a:p>
             <a:pPr lvl="4"/>
             <a:r>
-              <a:rPr lang="en-US" smtClean="0"/>
+              <a:rPr lang="en-US"/>
               <a:t>Fifth level</a:t>
             </a:r>
             <a:endParaRPr lang="en-US" dirty="0"/>
@@ -2154,7 +2147,7 @@
           <a:p>
             <a:fld id="{0352B432-24D8-4DF1-ABB1-109593AA7D21}" type="datetime1">
               <a:rPr lang="en-IN" smtClean="0"/>
-              <a:t>14-08-2019</a:t>
+              <a:t>30-06-2021</a:t>
             </a:fld>
             <a:endParaRPr lang="en-IN"/>
           </a:p>
@@ -2176,10 +2169,9 @@
           <a:lstStyle/>
           <a:p>
             <a:r>
-              <a:rPr lang="en-IN" smtClean="0"/>
+              <a:rPr lang="en-IN"/>
               <a:t>VIT-AP University, Amaravati</a:t>
             </a:r>
-            <a:endParaRPr lang="en-IN"/>
           </a:p>
         </p:txBody>
       </p:sp>
@@ -2257,7 +2249,7 @@
           <a:lstStyle/>
           <a:p>
             <a:r>
-              <a:rPr lang="en-US" smtClean="0"/>
+              <a:rPr lang="en-US"/>
               <a:t>Click to edit Master title style</a:t>
             </a:r>
             <a:endParaRPr lang="en-US" dirty="0"/>
@@ -2329,7 +2321,7 @@
           <a:p>
             <a:pPr lvl="0"/>
             <a:r>
-              <a:rPr lang="en-US" smtClean="0"/>
+              <a:rPr lang="en-US"/>
               <a:t>Edit Master text styles</a:t>
             </a:r>
           </a:p>
@@ -2357,35 +2349,35 @@
           <a:p>
             <a:pPr lvl="0"/>
             <a:r>
-              <a:rPr lang="en-US" smtClean="0"/>
+              <a:rPr lang="en-US"/>
               <a:t>Edit Master text styles</a:t>
             </a:r>
           </a:p>
           <a:p>
             <a:pPr lvl="1"/>
             <a:r>
-              <a:rPr lang="en-US" smtClean="0"/>
+              <a:rPr lang="en-US"/>
               <a:t>Second level</a:t>
             </a:r>
           </a:p>
           <a:p>
             <a:pPr lvl="2"/>
             <a:r>
-              <a:rPr lang="en-US" smtClean="0"/>
+              <a:rPr lang="en-US"/>
               <a:t>Third level</a:t>
             </a:r>
           </a:p>
           <a:p>
             <a:pPr lvl="3"/>
             <a:r>
-              <a:rPr lang="en-US" smtClean="0"/>
+              <a:rPr lang="en-US"/>
               <a:t>Fourth level</a:t>
             </a:r>
           </a:p>
           <a:p>
             <a:pPr lvl="4"/>
             <a:r>
-              <a:rPr lang="en-US" smtClean="0"/>
+              <a:rPr lang="en-US"/>
               <a:t>Fifth level</a:t>
             </a:r>
             <a:endParaRPr lang="en-US" dirty="0"/>
@@ -2457,7 +2449,7 @@
           <a:p>
             <a:pPr lvl="0"/>
             <a:r>
-              <a:rPr lang="en-US" smtClean="0"/>
+              <a:rPr lang="en-US"/>
               <a:t>Edit Master text styles</a:t>
             </a:r>
           </a:p>
@@ -2485,35 +2477,35 @@
           <a:p>
             <a:pPr lvl="0"/>
             <a:r>
-              <a:rPr lang="en-US" smtClean="0"/>
+              <a:rPr lang="en-US"/>
               <a:t>Edit Master text styles</a:t>
             </a:r>
           </a:p>
           <a:p>
             <a:pPr lvl="1"/>
             <a:r>
-              <a:rPr lang="en-US" smtClean="0"/>
+              <a:rPr lang="en-US"/>
               <a:t>Second level</a:t>
             </a:r>
           </a:p>
           <a:p>
             <a:pPr lvl="2"/>
             <a:r>
-              <a:rPr lang="en-US" smtClean="0"/>
+              <a:rPr lang="en-US"/>
               <a:t>Third level</a:t>
             </a:r>
           </a:p>
           <a:p>
             <a:pPr lvl="3"/>
             <a:r>
-              <a:rPr lang="en-US" smtClean="0"/>
+              <a:rPr lang="en-US"/>
               <a:t>Fourth level</a:t>
             </a:r>
           </a:p>
           <a:p>
             <a:pPr lvl="4"/>
             <a:r>
-              <a:rPr lang="en-US" smtClean="0"/>
+              <a:rPr lang="en-US"/>
               <a:t>Fifth level</a:t>
             </a:r>
             <a:endParaRPr lang="en-US" dirty="0"/>
@@ -2537,7 +2529,7 @@
           <a:p>
             <a:fld id="{0B62568A-A6CA-4308-8F00-C80831BAE290}" type="datetime1">
               <a:rPr lang="en-IN" smtClean="0"/>
-              <a:t>14-08-2019</a:t>
+              <a:t>30-06-2021</a:t>
             </a:fld>
             <a:endParaRPr lang="en-IN"/>
           </a:p>
@@ -2559,10 +2551,9 @@
           <a:lstStyle/>
           <a:p>
             <a:r>
-              <a:rPr lang="en-IN" smtClean="0"/>
+              <a:rPr lang="en-IN"/>
               <a:t>VIT-AP University, Amaravati</a:t>
             </a:r>
-            <a:endParaRPr lang="en-IN"/>
           </a:p>
         </p:txBody>
       </p:sp>
@@ -2635,7 +2626,7 @@
           <a:lstStyle/>
           <a:p>
             <a:r>
-              <a:rPr lang="en-US" smtClean="0"/>
+              <a:rPr lang="en-US"/>
               <a:t>Click to edit Master title style</a:t>
             </a:r>
             <a:endParaRPr lang="en-US" dirty="0"/>
@@ -2659,7 +2650,7 @@
           <a:p>
             <a:fld id="{2B94B46A-BBAF-465E-A21F-34E68ADC91F6}" type="datetime1">
               <a:rPr lang="en-IN" smtClean="0"/>
-              <a:t>14-08-2019</a:t>
+              <a:t>30-06-2021</a:t>
             </a:fld>
             <a:endParaRPr lang="en-IN"/>
           </a:p>
@@ -2681,10 +2672,9 @@
           <a:lstStyle/>
           <a:p>
             <a:r>
-              <a:rPr lang="en-IN" smtClean="0"/>
+              <a:rPr lang="en-IN"/>
               <a:t>VIT-AP University, Amaravati</a:t>
             </a:r>
-            <a:endParaRPr lang="en-IN"/>
           </a:p>
         </p:txBody>
       </p:sp>
@@ -2834,7 +2824,7 @@
           <a:p>
             <a:fld id="{292E79AD-6304-489C-8B92-102DA3B01101}" type="datetime1">
               <a:rPr lang="en-IN" smtClean="0"/>
-              <a:t>14-08-2019</a:t>
+              <a:t>30-06-2021</a:t>
             </a:fld>
             <a:endParaRPr lang="en-IN"/>
           </a:p>
@@ -2864,10 +2854,9 @@
           </a:lstStyle>
           <a:p>
             <a:r>
-              <a:rPr lang="en-IN" smtClean="0"/>
+              <a:rPr lang="en-IN"/>
               <a:t>VIT-AP University, Amaravati</a:t>
             </a:r>
-            <a:endParaRPr lang="en-IN"/>
           </a:p>
         </p:txBody>
       </p:sp>
@@ -3031,7 +3020,7 @@
           </a:lstStyle>
           <a:p>
             <a:r>
-              <a:rPr lang="en-US" smtClean="0"/>
+              <a:rPr lang="en-US"/>
               <a:t>Click to edit Master title style</a:t>
             </a:r>
             <a:endParaRPr lang="en-US" dirty="0"/>
@@ -3060,35 +3049,35 @@
           <a:p>
             <a:pPr lvl="0"/>
             <a:r>
-              <a:rPr lang="en-US" smtClean="0"/>
+              <a:rPr lang="en-US"/>
               <a:t>Edit Master text styles</a:t>
             </a:r>
           </a:p>
           <a:p>
             <a:pPr lvl="1"/>
             <a:r>
-              <a:rPr lang="en-US" smtClean="0"/>
+              <a:rPr lang="en-US"/>
               <a:t>Second level</a:t>
             </a:r>
           </a:p>
           <a:p>
             <a:pPr lvl="2"/>
             <a:r>
-              <a:rPr lang="en-US" smtClean="0"/>
+              <a:rPr lang="en-US"/>
               <a:t>Third level</a:t>
             </a:r>
           </a:p>
           <a:p>
             <a:pPr lvl="3"/>
             <a:r>
-              <a:rPr lang="en-US" smtClean="0"/>
+              <a:rPr lang="en-US"/>
               <a:t>Fourth level</a:t>
             </a:r>
           </a:p>
           <a:p>
             <a:pPr lvl="4"/>
             <a:r>
-              <a:rPr lang="en-US" smtClean="0"/>
+              <a:rPr lang="en-US"/>
               <a:t>Fifth level</a:t>
             </a:r>
             <a:endParaRPr lang="en-US" dirty="0"/>
@@ -3160,7 +3149,7 @@
           <a:p>
             <a:pPr lvl="0"/>
             <a:r>
-              <a:rPr lang="en-US" smtClean="0"/>
+              <a:rPr lang="en-US"/>
               <a:t>Edit Master text styles</a:t>
             </a:r>
           </a:p>
@@ -3192,7 +3181,7 @@
           <a:p>
             <a:fld id="{FDE1009B-99EE-4456-AFBD-01865B70D46B}" type="datetime1">
               <a:rPr lang="en-IN" smtClean="0"/>
-              <a:t>14-08-2019</a:t>
+              <a:t>30-06-2021</a:t>
             </a:fld>
             <a:endParaRPr lang="en-IN"/>
           </a:p>
@@ -3227,10 +3216,9 @@
           </a:lstStyle>
           <a:p>
             <a:r>
-              <a:rPr lang="en-IN" smtClean="0"/>
+              <a:rPr lang="en-IN"/>
               <a:t>VIT-AP University, Amaravati</a:t>
             </a:r>
-            <a:endParaRPr lang="en-IN"/>
           </a:p>
         </p:txBody>
       </p:sp>
@@ -3402,7 +3390,7 @@
           </a:lstStyle>
           <a:p>
             <a:r>
-              <a:rPr lang="en-US" smtClean="0"/>
+              <a:rPr lang="en-US"/>
               <a:t>Click to edit Master title style</a:t>
             </a:r>
             <a:endParaRPr lang="en-US" dirty="0"/>
@@ -3477,7 +3465,7 @@
           </a:lstStyle>
           <a:p>
             <a:r>
-              <a:rPr lang="en-US" smtClean="0"/>
+              <a:rPr lang="en-US"/>
               <a:t>Click icon to add picture</a:t>
             </a:r>
             <a:endParaRPr lang="en-US" dirty="0"/>
@@ -3555,7 +3543,7 @@
           <a:p>
             <a:pPr lvl="0"/>
             <a:r>
-              <a:rPr lang="en-US" smtClean="0"/>
+              <a:rPr lang="en-US"/>
               <a:t>Edit Master text styles</a:t>
             </a:r>
           </a:p>
@@ -3578,7 +3566,7 @@
           <a:p>
             <a:fld id="{8330FB97-F1C5-4629-8649-D983C87A0846}" type="datetime1">
               <a:rPr lang="en-IN" smtClean="0"/>
-              <a:t>14-08-2019</a:t>
+              <a:t>30-06-2021</a:t>
             </a:fld>
             <a:endParaRPr lang="en-IN"/>
           </a:p>
@@ -3600,10 +3588,9 @@
           <a:lstStyle/>
           <a:p>
             <a:r>
-              <a:rPr lang="en-IN" smtClean="0"/>
+              <a:rPr lang="en-IN"/>
               <a:t>VIT-AP University, Amaravati</a:t>
             </a:r>
-            <a:endParaRPr lang="en-IN"/>
           </a:p>
         </p:txBody>
       </p:sp>
@@ -3767,7 +3754,7 @@
           <a:lstStyle/>
           <a:p>
             <a:r>
-              <a:rPr lang="en-US" smtClean="0"/>
+              <a:rPr lang="en-US"/>
               <a:t>Click to edit Master title style</a:t>
             </a:r>
             <a:endParaRPr lang="en-US" dirty="0"/>
@@ -3801,35 +3788,35 @@
           <a:p>
             <a:pPr lvl="0"/>
             <a:r>
-              <a:rPr lang="en-US" smtClean="0"/>
+              <a:rPr lang="en-US"/>
               <a:t>Edit Master text styles</a:t>
             </a:r>
           </a:p>
           <a:p>
             <a:pPr lvl="1"/>
             <a:r>
-              <a:rPr lang="en-US" smtClean="0"/>
+              <a:rPr lang="en-US"/>
               <a:t>Second level</a:t>
             </a:r>
           </a:p>
           <a:p>
             <a:pPr lvl="2"/>
             <a:r>
-              <a:rPr lang="en-US" smtClean="0"/>
+              <a:rPr lang="en-US"/>
               <a:t>Third level</a:t>
             </a:r>
           </a:p>
           <a:p>
             <a:pPr lvl="3"/>
             <a:r>
-              <a:rPr lang="en-US" smtClean="0"/>
+              <a:rPr lang="en-US"/>
               <a:t>Fourth level</a:t>
             </a:r>
           </a:p>
           <a:p>
             <a:pPr lvl="4"/>
             <a:r>
-              <a:rPr lang="en-US" smtClean="0"/>
+              <a:rPr lang="en-US"/>
               <a:t>Fifth level</a:t>
             </a:r>
             <a:endParaRPr lang="en-US" dirty="0"/>
@@ -3869,7 +3856,7 @@
           <a:p>
             <a:fld id="{F629A483-3BBA-4D5B-9821-484F544C2024}" type="datetime1">
               <a:rPr lang="en-IN" smtClean="0"/>
-              <a:t>14-08-2019</a:t>
+              <a:t>30-06-2021</a:t>
             </a:fld>
             <a:endParaRPr lang="en-IN"/>
           </a:p>
@@ -3907,10 +3894,9 @@
           </a:lstStyle>
           <a:p>
             <a:r>
-              <a:rPr lang="en-IN" smtClean="0"/>
+              <a:rPr lang="en-IN"/>
               <a:t>VIT-AP University, Amaravati</a:t>
             </a:r>
-            <a:endParaRPr lang="en-IN"/>
           </a:p>
         </p:txBody>
       </p:sp>
@@ -4422,185 +4408,38 @@
           <a:p>
             <a:pPr algn="ctr"/>
             <a:r>
-              <a:rPr lang="en-IN" dirty="0" smtClean="0"/>
+              <a:rPr lang="en-IN" dirty="0"/>
               <a:t> </a:t>
-            </a:r>
-            <a:br>
-              <a:rPr lang="en-IN" dirty="0" smtClean="0"/>
-            </a:br>
-            <a:r>
-              <a:rPr lang="en-IN" dirty="0"/>
-              <a:t/>
             </a:r>
             <a:br>
               <a:rPr lang="en-IN" dirty="0"/>
             </a:br>
-            <a:r>
-              <a:rPr lang="en-IN" dirty="0" smtClean="0"/>
-              <a:t/>
-            </a:r>
             <a:br>
-              <a:rPr lang="en-IN" dirty="0" smtClean="0"/>
+              <a:rPr lang="en-IN" dirty="0"/>
             </a:br>
-            <a:r>
-              <a:rPr lang="en-IN" dirty="0" err="1" smtClean="0">
+            <a:br>
+              <a:rPr lang="en-IN" dirty="0"/>
+            </a:br>
+            <a:r>
+              <a:rPr lang="en-IN" dirty="0" err="1">
                 <a:latin typeface="Cambria" panose="02040503050406030204" pitchFamily="18" charset="0"/>
               </a:rPr>
-              <a:t>Med!c</a:t>
-            </a:r>
-            <a:r>
-              <a:rPr lang="en-IN" dirty="0" err="1" smtClean="0">
-                <a:latin typeface="Cambria" panose="02040503050406030204" pitchFamily="18" charset="0"/>
-              </a:rPr>
-              <a:t>_</a:t>
-            </a:r>
-            <a:r>
-              <a:rPr lang="en-IN" dirty="0" err="1" smtClean="0">
-                <a:latin typeface="Cambria" panose="02040503050406030204" pitchFamily="18" charset="0"/>
-              </a:rPr>
-              <a:t>Plus</a:t>
-            </a:r>
-            <a:r>
-              <a:rPr lang="en-IN" smtClean="0">
+              <a:t>Med!c_Plus</a:t>
+            </a:r>
+            <a:r>
+              <a:rPr lang="en-IN">
                 <a:latin typeface="Cambria" panose="02040503050406030204" pitchFamily="18" charset="0"/>
               </a:rPr>
               <a:t>( )</a:t>
             </a:r>
-            <a:r>
-              <a:rPr lang="en-IN" dirty="0" smtClean="0">
-                <a:latin typeface="Cambria" panose="02040503050406030204" pitchFamily="18" charset="0"/>
-              </a:rPr>
-              <a:t/>
-            </a:r>
             <a:br>
-              <a:rPr lang="en-IN" dirty="0" smtClean="0">
+              <a:rPr lang="en-IN" dirty="0">
                 <a:latin typeface="Cambria" panose="02040503050406030204" pitchFamily="18" charset="0"/>
               </a:rPr>
             </a:br>
             <a:endParaRPr lang="en-IN" sz="3100" dirty="0">
               <a:latin typeface="Cambria" panose="02040503050406030204" pitchFamily="18" charset="0"/>
             </a:endParaRPr>
-          </a:p>
-        </p:txBody>
-      </p:sp>
-      <p:sp>
-        <p:nvSpPr>
-          <p:cNvPr id="3" name="Content Placeholder 2"/>
-          <p:cNvSpPr>
-            <a:spLocks noGrp="1"/>
-          </p:cNvSpPr>
-          <p:nvPr>
-            <p:ph idx="1"/>
-          </p:nvPr>
-        </p:nvSpPr>
-        <p:spPr>
-          <a:xfrm>
-            <a:off x="1405011" y="2106236"/>
-            <a:ext cx="6082518" cy="4023360"/>
-          </a:xfrm>
-        </p:spPr>
-        <p:txBody>
-          <a:bodyPr>
-            <a:normAutofit/>
-          </a:bodyPr>
-          <a:lstStyle/>
-          <a:p>
-            <a:r>
-              <a:rPr lang="en-IN" dirty="0" smtClean="0"/>
-              <a:t> </a:t>
-            </a:r>
-          </a:p>
-          <a:p>
-            <a:endParaRPr lang="en-IN" dirty="0"/>
-          </a:p>
-          <a:p>
-            <a:r>
-              <a:rPr lang="en-IN" b="1" dirty="0" smtClean="0"/>
-              <a:t>Team Members</a:t>
-            </a:r>
-          </a:p>
-          <a:p>
-            <a:r>
-              <a:rPr lang="en-IN" dirty="0" smtClean="0"/>
-              <a:t>1. </a:t>
-            </a:r>
-            <a:r>
-              <a:rPr lang="en-US" dirty="0"/>
-              <a:t>18BCD7008 - KATHAL ADITYA RAJENDRA </a:t>
-            </a:r>
-            <a:endParaRPr lang="en-IN" dirty="0" smtClean="0"/>
-          </a:p>
-          <a:p>
-            <a:pPr marL="0" indent="0">
-              <a:buNone/>
-            </a:pPr>
-            <a:r>
-              <a:rPr lang="en-IN" dirty="0"/>
-              <a:t> </a:t>
-            </a:r>
-            <a:r>
-              <a:rPr lang="en-IN" dirty="0" smtClean="0"/>
-              <a:t> 2. </a:t>
-            </a:r>
-            <a:r>
-              <a:rPr lang="en-US" dirty="0"/>
-              <a:t>18BCD7018 - AMANDEEP SHARMA </a:t>
-            </a:r>
-            <a:r>
-              <a:rPr lang="en-IN" dirty="0" smtClean="0"/>
-              <a:t> </a:t>
-            </a:r>
-          </a:p>
-          <a:p>
-            <a:r>
-              <a:rPr lang="en-IN" dirty="0" smtClean="0"/>
-              <a:t>3. </a:t>
-            </a:r>
-            <a:r>
-              <a:rPr lang="en-US" dirty="0"/>
-              <a:t>18BCD7044 - SHARAJ RAJA </a:t>
-            </a:r>
-            <a:r>
-              <a:rPr lang="en-US" dirty="0" smtClean="0"/>
-              <a:t>CHANDRAN</a:t>
-            </a:r>
-            <a:endParaRPr lang="en-IN" dirty="0" smtClean="0"/>
-          </a:p>
-          <a:p>
-            <a:r>
-              <a:rPr lang="en-IN" dirty="0" smtClean="0"/>
-              <a:t>4. </a:t>
-            </a:r>
-            <a:r>
-              <a:rPr lang="en-US" dirty="0"/>
-              <a:t>18BEV7017 - SHIVANSHU TRIPATHI</a:t>
-            </a:r>
-            <a:endParaRPr lang="en-IN" dirty="0" smtClean="0"/>
-          </a:p>
-          <a:p>
-            <a:r>
-              <a:rPr lang="en-IN" dirty="0" smtClean="0"/>
-              <a:t>5. </a:t>
-            </a:r>
-            <a:r>
-              <a:rPr lang="en-US" dirty="0"/>
-              <a:t>18BEC7045 - RAHUL GANESH </a:t>
-            </a:r>
-            <a:r>
-              <a:rPr lang="en-US" dirty="0" smtClean="0"/>
-              <a:t>REGALLA</a:t>
-            </a:r>
-          </a:p>
-          <a:p>
-            <a:r>
-              <a:rPr lang="en-US" dirty="0" smtClean="0"/>
-              <a:t>6. </a:t>
-            </a:r>
-            <a:r>
-              <a:rPr lang="en-US" dirty="0"/>
-              <a:t>18BCN7143 - SK SADDAM HOSSAIN</a:t>
-            </a:r>
-            <a:endParaRPr lang="en-IN" dirty="0"/>
           </a:p>
         </p:txBody>
       </p:sp>
@@ -4872,20 +4711,20 @@
             </a:lvl9pPr>
           </a:lstStyle>
           <a:p>
-            <a:endParaRPr lang="en-IN" dirty="0" smtClean="0"/>
-          </a:p>
-          <a:p>
-            <a:endParaRPr lang="en-IN" dirty="0" smtClean="0"/>
-          </a:p>
-          <a:p>
-            <a:r>
-              <a:rPr lang="en-IN" b="1" dirty="0" smtClean="0"/>
+            <a:endParaRPr lang="en-IN" dirty="0"/>
+          </a:p>
+          <a:p>
+            <a:endParaRPr lang="en-IN" dirty="0"/>
+          </a:p>
+          <a:p>
+            <a:r>
+              <a:rPr lang="en-IN" b="1" dirty="0"/>
               <a:t>Guided by</a:t>
             </a:r>
           </a:p>
           <a:p>
             <a:r>
-              <a:rPr lang="en-IN" dirty="0" smtClean="0"/>
+              <a:rPr lang="en-IN" dirty="0"/>
               <a:t>           </a:t>
             </a:r>
             <a:r>
@@ -4893,39 +4732,23 @@
               <a:t> </a:t>
             </a:r>
             <a:r>
-              <a:rPr lang="en-US" dirty="0" err="1" smtClean="0"/>
+              <a:rPr lang="en-US" dirty="0" err="1"/>
               <a:t>Prof.Asish</a:t>
             </a:r>
             <a:r>
-              <a:rPr lang="en-US" dirty="0" smtClean="0"/>
-              <a:t> </a:t>
-            </a:r>
-            <a:r>
               <a:rPr lang="en-US" dirty="0"/>
-              <a:t>Kumar </a:t>
-            </a:r>
-            <a:r>
-              <a:rPr lang="en-US" dirty="0" smtClean="0"/>
-              <a:t>Dalai</a:t>
-            </a:r>
-            <a:endParaRPr lang="en-IN" dirty="0" smtClean="0"/>
-          </a:p>
-          <a:p>
-            <a:r>
-              <a:rPr lang="en-IN" dirty="0" smtClean="0"/>
-              <a:t>            Dept. </a:t>
-            </a:r>
+              <a:t> Kumar Dalai</a:t>
+            </a:r>
+            <a:endParaRPr lang="en-IN" dirty="0"/>
+          </a:p>
+          <a:p>
             <a:r>
               <a:rPr lang="en-IN" dirty="0"/>
-              <a:t>o</a:t>
-            </a:r>
-            <a:r>
-              <a:rPr lang="en-IN" dirty="0" smtClean="0"/>
-              <a:t>f CSE </a:t>
-            </a:r>
-          </a:p>
-          <a:p>
-            <a:endParaRPr lang="en-IN" dirty="0" smtClean="0"/>
+              <a:t>            Dept. of CSE </a:t>
+            </a:r>
+          </a:p>
+          <a:p>
+            <a:endParaRPr lang="en-IN" dirty="0"/>
           </a:p>
         </p:txBody>
       </p:sp>
@@ -4946,7 +4769,7 @@
           <a:p>
             <a:fld id="{58991705-E256-43D1-A194-63E1246CF067}" type="datetime1">
               <a:rPr lang="en-IN" smtClean="0"/>
-              <a:t>14-08-2019</a:t>
+              <a:t>30-06-2021</a:t>
             </a:fld>
             <a:endParaRPr lang="en-IN"/>
           </a:p>
@@ -4968,10 +4791,9 @@
           <a:lstStyle/>
           <a:p>
             <a:r>
-              <a:rPr lang="en-IN" smtClean="0"/>
+              <a:rPr lang="en-IN"/>
               <a:t>VIT-AP University, Amaravati</a:t>
             </a:r>
-            <a:endParaRPr lang="en-IN"/>
           </a:p>
         </p:txBody>
       </p:sp>
@@ -5023,15 +4845,34 @@
               <a:rPr lang="en-IN" dirty="0">
                 <a:latin typeface="Cambria" panose="02040503050406030204" pitchFamily="18" charset="0"/>
               </a:rPr>
-              <a:t>Batch No: </a:t>
-            </a:r>
-            <a:r>
-              <a:rPr lang="en-IN" dirty="0" smtClean="0">
-                <a:latin typeface="Cambria" panose="02040503050406030204" pitchFamily="18" charset="0"/>
-              </a:rPr>
-              <a:t>190047</a:t>
+              <a:t>Batch No: 190047</a:t>
             </a:r>
             <a:endParaRPr lang="en-IN" dirty="0"/>
+          </a:p>
+        </p:txBody>
+      </p:sp>
+      <p:sp>
+        <p:nvSpPr>
+          <p:cNvPr id="10" name="Content Placeholder 9">
+            <a:extLst>
+              <a:ext uri="{FF2B5EF4-FFF2-40B4-BE49-F238E27FC236}">
+                <a16:creationId xmlns:a16="http://schemas.microsoft.com/office/drawing/2014/main" id="{7A8718FA-89B6-4B9F-9840-162C3362F5AE}"/>
+              </a:ext>
+            </a:extLst>
+          </p:cNvPr>
+          <p:cNvSpPr>
+            <a:spLocks noGrp="1"/>
+          </p:cNvSpPr>
+          <p:nvPr>
+            <p:ph idx="1"/>
+          </p:nvPr>
+        </p:nvSpPr>
+        <p:spPr/>
+        <p:txBody>
+          <a:bodyPr/>
+          <a:lstStyle/>
+          <a:p>
+            <a:endParaRPr lang="en-IN"/>
           </a:p>
         </p:txBody>
       </p:sp>
@@ -5045,13 +4886,6 @@
   <p:clrMapOvr>
     <a:masterClrMapping/>
   </p:clrMapOvr>
-  <p:timing>
-    <p:tnLst>
-      <p:par>
-        <p:cTn id="1" dur="indefinite" restart="never" nodeType="tmRoot"/>
-      </p:par>
-    </p:tnLst>
-  </p:timing>
 </p:sld>
 </file>
 
@@ -5095,10 +4929,9 @@
           <a:lstStyle/>
           <a:p>
             <a:r>
-              <a:rPr lang="en-IN" sz="2400" b="1" dirty="0" smtClean="0"/>
+              <a:rPr lang="en-IN" sz="2400" b="1" dirty="0"/>
               <a:t>6.References</a:t>
             </a:r>
-            <a:endParaRPr lang="en-IN" sz="2400" b="1" dirty="0"/>
           </a:p>
         </p:txBody>
       </p:sp>
@@ -5126,60 +4959,36 @@
               <a:rPr lang="en-IN" dirty="0">
                 <a:hlinkClick r:id="rId2"/>
               </a:rPr>
-              <a:t>https://</a:t>
-            </a:r>
-            <a:r>
-              <a:rPr lang="en-IN" dirty="0" smtClean="0">
-                <a:hlinkClick r:id="rId2"/>
-              </a:rPr>
-              <a:t>www.amazon.in/dp/B07BHP46Y6/ref=cm_sw_r_wa_apa_i_nEVuDbW62S1GA</a:t>
-            </a:r>
-            <a:endParaRPr lang="en-IN" dirty="0" smtClean="0"/>
+              <a:t>https://www.amazon.in/dp/B07BHP46Y6/ref=cm_sw_r_wa_apa_i_nEVuDbW62S1GA</a:t>
+            </a:r>
+            <a:endParaRPr lang="en-IN" dirty="0"/>
           </a:p>
           <a:p>
             <a:r>
               <a:rPr lang="en-IN" dirty="0">
                 <a:hlinkClick r:id="rId3"/>
               </a:rPr>
-              <a:t>https://</a:t>
-            </a:r>
-            <a:r>
-              <a:rPr lang="en-IN" dirty="0" smtClean="0">
-                <a:hlinkClick r:id="rId3"/>
-              </a:rPr>
-              <a:t>www.amazon.in/dp/B015C7SC5U/ref=cm_sw_r_wa_apa_i_mFVuDbEN9BY3K</a:t>
-            </a:r>
-            <a:endParaRPr lang="en-IN" dirty="0" smtClean="0"/>
+              <a:t>https://www.amazon.in/dp/B015C7SC5U/ref=cm_sw_r_wa_apa_i_mFVuDbEN9BY3K</a:t>
+            </a:r>
+            <a:endParaRPr lang="en-IN" dirty="0"/>
           </a:p>
           <a:p>
             <a:r>
               <a:rPr lang="en-IN" dirty="0">
                 <a:hlinkClick r:id="rId4"/>
               </a:rPr>
-              <a:t>https://</a:t>
-            </a:r>
-            <a:r>
-              <a:rPr lang="en-IN" dirty="0" smtClean="0">
-                <a:hlinkClick r:id="rId4"/>
-              </a:rPr>
-              <a:t>www.amazon.in/dp/B07Q1HT9R5/ref=cm_sw_r_wa_apa_i_PGVuDb4WM77AN</a:t>
-            </a:r>
-            <a:endParaRPr lang="en-IN" dirty="0" smtClean="0"/>
+              <a:t>https://www.amazon.in/dp/B07Q1HT9R5/ref=cm_sw_r_wa_apa_i_PGVuDb4WM77AN</a:t>
+            </a:r>
+            <a:endParaRPr lang="en-IN" dirty="0"/>
           </a:p>
           <a:p>
             <a:r>
               <a:rPr lang="en-IN" dirty="0">
                 <a:hlinkClick r:id="rId5"/>
               </a:rPr>
-              <a:t>https://</a:t>
-            </a:r>
-            <a:r>
-              <a:rPr lang="en-IN" dirty="0" smtClean="0">
-                <a:hlinkClick r:id="rId5"/>
-              </a:rPr>
-              <a:t>www.amazon.in/dp/B071VQLQQQ/ref=cm_sw_r_wa_apa_i_eIVuDbQCKRB3H</a:t>
-            </a:r>
-            <a:endParaRPr lang="en-IN" dirty="0" smtClean="0"/>
+              <a:t>https://www.amazon.in/dp/B071VQLQQQ/ref=cm_sw_r_wa_apa_i_eIVuDbQCKRB3H</a:t>
+            </a:r>
+            <a:endParaRPr lang="en-IN" dirty="0"/>
           </a:p>
           <a:p>
             <a:endParaRPr lang="en-IN" dirty="0"/>
@@ -5203,7 +5012,7 @@
           <a:p>
             <a:fld id="{6EDFFDCC-11D1-4F52-A9CB-BBBE88751C87}" type="datetime1">
               <a:rPr lang="en-IN" smtClean="0"/>
-              <a:t>14-08-2019</a:t>
+              <a:t>30-06-2021</a:t>
             </a:fld>
             <a:endParaRPr lang="en-IN"/>
           </a:p>
@@ -5225,10 +5034,9 @@
           <a:lstStyle/>
           <a:p>
             <a:r>
-              <a:rPr lang="en-IN" smtClean="0"/>
+              <a:rPr lang="en-IN"/>
               <a:t>VIT-AP University, Amaravati</a:t>
             </a:r>
-            <a:endParaRPr lang="en-IN"/>
           </a:p>
         </p:txBody>
       </p:sp>
@@ -5260,7 +5068,7 @@
           <p:cNvPr id="7" name="Picture 6">
             <a:extLst>
               <a:ext uri="{FF2B5EF4-FFF2-40B4-BE49-F238E27FC236}">
-                <a16:creationId xmlns:lc="http://schemas.openxmlformats.org/drawingml/2006/lockedCanvas" xmlns:a16="http://schemas.microsoft.com/office/drawing/2014/main" xmlns="" id="{AC3F9D40-C241-4110-9246-0916EF42A56A}"/>
+                <a16:creationId xmlns:a16="http://schemas.microsoft.com/office/drawing/2014/main" id="{AC3F9D40-C241-4110-9246-0916EF42A56A}"/>
               </a:ext>
             </a:extLst>
           </p:cNvPr>
@@ -5301,13 +5109,6 @@
   <p:clrMapOvr>
     <a:masterClrMapping/>
   </p:clrMapOvr>
-  <p:timing>
-    <p:tnLst>
-      <p:par>
-        <p:cTn id="1" dur="indefinite" restart="never" nodeType="tmRoot"/>
-      </p:par>
-    </p:tnLst>
-  </p:timing>
 </p:sld>
 </file>
 
@@ -5368,7 +5169,7 @@
               <a:defRPr/>
             </a:pPr>
             <a:r>
-              <a:rPr lang="en-US" sz="2400" dirty="0" smtClean="0">
+              <a:rPr lang="en-US" sz="2400" dirty="0">
                 <a:latin typeface="Cambria" panose="02040503050406030204" pitchFamily="18" charset="0"/>
                 <a:ea typeface="宋体" pitchFamily="2" charset="-122"/>
               </a:rPr>
@@ -5399,16 +5200,12 @@
               <a:defRPr/>
             </a:pPr>
             <a:r>
-              <a:rPr lang="en-US" sz="2400" dirty="0" smtClean="0">
+              <a:rPr lang="en-US" sz="2400" dirty="0">
                 <a:latin typeface="Cambria" panose="02040503050406030204" pitchFamily="18" charset="0"/>
                 <a:ea typeface="宋体" pitchFamily="2" charset="-122"/>
               </a:rPr>
               <a:t>Abstract</a:t>
             </a:r>
-            <a:endParaRPr lang="en-US" sz="2400" dirty="0">
-              <a:latin typeface="Cambria" panose="02040503050406030204" pitchFamily="18" charset="0"/>
-              <a:ea typeface="宋体" pitchFamily="2" charset="-122"/>
-            </a:endParaRPr>
           </a:p>
           <a:p>
             <a:pPr marL="341313" lvl="1" indent="-341313">
@@ -5437,16 +5234,12 @@
               <a:defRPr/>
             </a:pPr>
             <a:r>
-              <a:rPr lang="en-US" sz="2400" dirty="0" smtClean="0">
+              <a:rPr lang="en-US" sz="2400" dirty="0">
                 <a:latin typeface="Cambria" panose="02040503050406030204" pitchFamily="18" charset="0"/>
                 <a:ea typeface="宋体" pitchFamily="2" charset="-122"/>
               </a:rPr>
               <a:t>Module Identification</a:t>
             </a:r>
-            <a:endParaRPr lang="en-US" sz="2400" dirty="0">
-              <a:latin typeface="Cambria" panose="02040503050406030204" pitchFamily="18" charset="0"/>
-              <a:ea typeface="宋体" pitchFamily="2" charset="-122"/>
-            </a:endParaRPr>
           </a:p>
           <a:p>
             <a:pPr marL="341313" lvl="1" indent="-341313">
@@ -5475,16 +5268,12 @@
               <a:defRPr/>
             </a:pPr>
             <a:r>
-              <a:rPr lang="en-US" sz="2400" dirty="0" smtClean="0">
+              <a:rPr lang="en-US" sz="2400" dirty="0">
                 <a:latin typeface="Cambria" panose="02040503050406030204" pitchFamily="18" charset="0"/>
                 <a:ea typeface="宋体" pitchFamily="2" charset="-122"/>
               </a:rPr>
               <a:t>Architecture Diagram</a:t>
             </a:r>
-            <a:endParaRPr lang="en-US" sz="2400" dirty="0">
-              <a:latin typeface="Cambria" panose="02040503050406030204" pitchFamily="18" charset="0"/>
-              <a:ea typeface="宋体" pitchFamily="2" charset="-122"/>
-            </a:endParaRPr>
           </a:p>
           <a:p>
             <a:pPr marL="341313" indent="-341313">
@@ -5510,16 +5299,12 @@
               <a:defRPr/>
             </a:pPr>
             <a:r>
-              <a:rPr lang="en-US" sz="2400" dirty="0" smtClean="0">
+              <a:rPr lang="en-US" sz="2400" dirty="0">
                 <a:latin typeface="Cambria" panose="02040503050406030204" pitchFamily="18" charset="0"/>
                 <a:ea typeface="宋体" pitchFamily="2" charset="-122"/>
               </a:rPr>
               <a:t>Equipment Identified</a:t>
             </a:r>
-            <a:endParaRPr lang="en-US" sz="2400" dirty="0">
-              <a:latin typeface="Cambria" panose="02040503050406030204" pitchFamily="18" charset="0"/>
-              <a:ea typeface="宋体" pitchFamily="2" charset="-122"/>
-            </a:endParaRPr>
           </a:p>
           <a:p>
             <a:pPr marL="341313" indent="-341313">
@@ -5545,16 +5330,12 @@
               <a:defRPr/>
             </a:pPr>
             <a:r>
-              <a:rPr lang="en-US" sz="2400" dirty="0" smtClean="0">
+              <a:rPr lang="en-US" sz="2400" dirty="0">
                 <a:latin typeface="Cambria" panose="02040503050406030204" pitchFamily="18" charset="0"/>
                 <a:ea typeface="宋体" pitchFamily="2" charset="-122"/>
               </a:rPr>
               <a:t>Time Line Chart</a:t>
             </a:r>
-            <a:endParaRPr lang="en-US" sz="2400" dirty="0">
-              <a:latin typeface="Cambria" panose="02040503050406030204" pitchFamily="18" charset="0"/>
-              <a:ea typeface="宋体" pitchFamily="2" charset="-122"/>
-            </a:endParaRPr>
           </a:p>
           <a:p>
             <a:pPr marL="341313" indent="-341313">
@@ -5610,10 +5391,9 @@
           <a:lstStyle/>
           <a:p>
             <a:r>
-              <a:rPr lang="en-IN" dirty="0" smtClean="0"/>
+              <a:rPr lang="en-IN" dirty="0"/>
               <a:t>Agenda</a:t>
             </a:r>
-            <a:endParaRPr lang="en-IN" dirty="0"/>
           </a:p>
         </p:txBody>
       </p:sp>
@@ -5634,7 +5414,7 @@
           <a:p>
             <a:fld id="{6EDFFDCC-11D1-4F52-A9CB-BBBE88751C87}" type="datetime1">
               <a:rPr lang="en-IN" smtClean="0"/>
-              <a:t>14-08-2019</a:t>
+              <a:t>30-06-2021</a:t>
             </a:fld>
             <a:endParaRPr lang="en-IN"/>
           </a:p>
@@ -5656,10 +5436,9 @@
           <a:lstStyle/>
           <a:p>
             <a:r>
-              <a:rPr lang="en-IN" smtClean="0"/>
+              <a:rPr lang="en-IN"/>
               <a:t>VIT-AP University, Amaravati</a:t>
             </a:r>
-            <a:endParaRPr lang="en-IN"/>
           </a:p>
         </p:txBody>
       </p:sp>
@@ -5696,13 +5475,6 @@
   <p:clrMapOvr>
     <a:masterClrMapping/>
   </p:clrMapOvr>
-  <p:timing>
-    <p:tnLst>
-      <p:par>
-        <p:cTn id="1" dur="indefinite" restart="never" nodeType="tmRoot"/>
-      </p:par>
-    </p:tnLst>
-  </p:timing>
 </p:sld>
 </file>
 
@@ -5746,10 +5518,9 @@
           <a:lstStyle/>
           <a:p>
             <a:r>
-              <a:rPr lang="en-IN" sz="2400" dirty="0" smtClean="0"/>
+              <a:rPr lang="en-IN" sz="2400" dirty="0"/>
               <a:t>Abstract </a:t>
             </a:r>
-            <a:endParaRPr lang="en-IN" sz="2400" dirty="0"/>
           </a:p>
         </p:txBody>
       </p:sp>
@@ -5770,7 +5541,7 @@
           <a:p>
             <a:fld id="{6EDFFDCC-11D1-4F52-A9CB-BBBE88751C87}" type="datetime1">
               <a:rPr lang="en-IN" smtClean="0"/>
-              <a:t>14-08-2019</a:t>
+              <a:t>30-06-2021</a:t>
             </a:fld>
             <a:endParaRPr lang="en-IN"/>
           </a:p>
@@ -5792,10 +5563,9 @@
           <a:lstStyle/>
           <a:p>
             <a:r>
-              <a:rPr lang="en-IN" smtClean="0"/>
+              <a:rPr lang="en-IN"/>
               <a:t>VIT-AP University, Amaravati</a:t>
             </a:r>
-            <a:endParaRPr lang="en-IN"/>
           </a:p>
         </p:txBody>
       </p:sp>
@@ -5844,35 +5614,28 @@
               <a:buChar char="Ø"/>
             </a:pPr>
             <a:r>
-              <a:rPr lang="en-IN" sz="1600" b="1" dirty="0" smtClean="0">
+              <a:rPr lang="en-IN" sz="1600" b="1" dirty="0">
                 <a:latin typeface="Cambria" panose="02040503050406030204" pitchFamily="18" charset="0"/>
               </a:rPr>
               <a:t>  </a:t>
             </a:r>
             <a:r>
               <a:rPr lang="en-US" sz="1600" dirty="0"/>
-              <a:t>A device that acts as a medical emergency info station which has the ability to call for help, dispense medicine and much-much more. During a medical crisis anyone can access this terminal in order to get information about the patient’s medical history and emergency contacts. With ready first hand knowledge of the patient dealing with his/her medical condition becomes faster and more reliable which is of paramount </a:t>
-            </a:r>
-            <a:r>
-              <a:rPr lang="en-US" sz="1600" dirty="0" smtClean="0"/>
-              <a:t>importance</a:t>
-            </a:r>
-            <a:r>
-              <a:rPr lang="en-IN" sz="1600" b="1" dirty="0" smtClean="0">
+              <a:t>A device that acts as a medical emergency info station which has the ability to call for help, dispense medicine and much-much more. During a medical crisis anyone can access this terminal in order to get information about the patient’s medical history and emergency contacts. With ready first hand knowledge of the patient dealing with his/her medical condition becomes faster and more reliable which is of paramount importance</a:t>
+            </a:r>
+            <a:r>
+              <a:rPr lang="en-IN" sz="1600" b="1" dirty="0">
                 <a:latin typeface="Cambria" panose="02040503050406030204" pitchFamily="18" charset="0"/>
               </a:rPr>
               <a:t>.</a:t>
             </a:r>
-            <a:endParaRPr lang="en-IN" sz="1600" b="1" dirty="0">
-              <a:latin typeface="Cambria" panose="02040503050406030204" pitchFamily="18" charset="0"/>
-            </a:endParaRPr>
           </a:p>
           <a:p>
             <a:pPr lvl="2">
               <a:buFont typeface="Wingdings" panose="05000000000000000000" pitchFamily="2" charset="2"/>
               <a:buChar char="Ø"/>
             </a:pPr>
-            <a:endParaRPr lang="en-IN" sz="1600" b="1" dirty="0" smtClean="0">
+            <a:endParaRPr lang="en-IN" sz="1600" b="1" dirty="0">
               <a:latin typeface="Cambria" panose="02040503050406030204" pitchFamily="18" charset="0"/>
             </a:endParaRPr>
           </a:p>
@@ -5882,12 +5645,8 @@
               <a:buChar char="Ø"/>
             </a:pPr>
             <a:r>
-              <a:rPr lang="en-US" sz="1600" dirty="0" smtClean="0"/>
-              <a:t>In </a:t>
-            </a:r>
-            <a:r>
               <a:rPr lang="en-US" sz="1600" dirty="0"/>
-              <a:t>todays world danger lurks around every corner and one can never be too sure of one’s physical health and well being. In order to make the process of dealing with life threatening situation more efficient and reliable our team has come up with the idea of </a:t>
+              <a:t>In todays world danger lurks around every corner and one can never be too sure of one’s physical health and well being. In order to make the process of dealing with life threatening situation more efficient and reliable our team has come up with the idea of </a:t>
             </a:r>
           </a:p>
           <a:p>
@@ -5895,12 +5654,8 @@
               <a:buNone/>
             </a:pPr>
             <a:r>
-              <a:rPr lang="en-US" sz="1600" dirty="0" smtClean="0"/>
-              <a:t>     Medic </a:t>
-            </a:r>
-            <a:r>
               <a:rPr lang="en-US" sz="1600" dirty="0"/>
-              <a:t>_Plus . </a:t>
+              <a:t>     Medic _Plus . </a:t>
             </a:r>
           </a:p>
         </p:txBody>
@@ -5915,13 +5670,6 @@
   <p:clrMapOvr>
     <a:masterClrMapping/>
   </p:clrMapOvr>
-  <p:timing>
-    <p:tnLst>
-      <p:par>
-        <p:cTn id="1" dur="indefinite" restart="never" nodeType="tmRoot"/>
-      </p:par>
-    </p:tnLst>
-  </p:timing>
 </p:sld>
 </file>
 
@@ -5965,10 +5713,9 @@
           <a:lstStyle/>
           <a:p>
             <a:r>
-              <a:rPr lang="en-IN" sz="2400" b="1" dirty="0" smtClean="0"/>
+              <a:rPr lang="en-IN" sz="2400" b="1" dirty="0"/>
               <a:t>1. Introduction </a:t>
             </a:r>
-            <a:endParaRPr lang="en-IN" sz="2400" b="1" dirty="0"/>
           </a:p>
         </p:txBody>
       </p:sp>
@@ -5997,16 +5744,11 @@
               <a:rPr lang="en-US" dirty="0"/>
               <a:t> </a:t>
             </a:r>
-            <a:endParaRPr lang="en-US" dirty="0" smtClean="0"/>
-          </a:p>
-          <a:p>
-            <a:r>
-              <a:rPr lang="en-US" dirty="0" smtClean="0"/>
-              <a:t>So </a:t>
-            </a:r>
+          </a:p>
+          <a:p>
             <a:r>
               <a:rPr lang="en-US" dirty="0"/>
-              <a:t>here we have the solution, our major aim is in developing a database for every citizen of India so that whenever a patient goes to doctor, he should have the proper information about the past medical history of that individual. We highly emphasis on improving the medical facility in India. After the database our next major goal is to setup a dispenser all over the country so that common people can be benefitted from our idea.</a:t>
+              <a:t>So here we have the solution, our major aim is in developing a database for every citizen of India so that whenever a patient goes to doctor, he should have the proper information about the past medical history of that individual. We highly emphasis on improving the medical facility in India. After the database our next major goal is to setup a dispenser all over the country so that common people can be benefitted from our idea.</a:t>
             </a:r>
           </a:p>
           <a:p>
@@ -6031,7 +5773,7 @@
           <a:p>
             <a:fld id="{6EDFFDCC-11D1-4F52-A9CB-BBBE88751C87}" type="datetime1">
               <a:rPr lang="en-IN" smtClean="0"/>
-              <a:t>14-08-2019</a:t>
+              <a:t>30-06-2021</a:t>
             </a:fld>
             <a:endParaRPr lang="en-IN"/>
           </a:p>
@@ -6053,10 +5795,9 @@
           <a:lstStyle/>
           <a:p>
             <a:r>
-              <a:rPr lang="en-IN" smtClean="0"/>
+              <a:rPr lang="en-IN"/>
               <a:t>VIT-AP University, Amaravati</a:t>
             </a:r>
-            <a:endParaRPr lang="en-IN"/>
           </a:p>
         </p:txBody>
       </p:sp>
@@ -6093,13 +5834,6 @@
   <p:clrMapOvr>
     <a:masterClrMapping/>
   </p:clrMapOvr>
-  <p:timing>
-    <p:tnLst>
-      <p:par>
-        <p:cTn id="1" dur="indefinite" restart="never" nodeType="tmRoot"/>
-      </p:par>
-    </p:tnLst>
-  </p:timing>
 </p:sld>
 </file>
 
@@ -6143,10 +5877,9 @@
           <a:lstStyle/>
           <a:p>
             <a:r>
-              <a:rPr lang="en-IN" sz="2400" b="1" dirty="0" smtClean="0"/>
+              <a:rPr lang="en-IN" sz="2400" b="1" dirty="0"/>
               <a:t>2. Module Identification</a:t>
             </a:r>
-            <a:endParaRPr lang="en-IN" sz="2400" b="1" dirty="0"/>
           </a:p>
         </p:txBody>
       </p:sp>
@@ -6173,28 +5906,28 @@
           <a:lstStyle/>
           <a:p>
             <a:r>
-              <a:rPr lang="en-IN" dirty="0" smtClean="0"/>
+              <a:rPr lang="en-IN" dirty="0"/>
               <a:t>Software:</a:t>
             </a:r>
           </a:p>
           <a:p>
             <a:pPr lvl="1"/>
             <a:r>
-              <a:rPr lang="en-IN" dirty="0" smtClean="0"/>
+              <a:rPr lang="en-IN" dirty="0"/>
               <a:t>Database</a:t>
             </a:r>
           </a:p>
           <a:p>
             <a:pPr lvl="1"/>
             <a:r>
-              <a:rPr lang="en-IN" dirty="0" smtClean="0"/>
+              <a:rPr lang="en-IN" dirty="0"/>
               <a:t>App</a:t>
             </a:r>
           </a:p>
           <a:p>
             <a:pPr lvl="1"/>
             <a:r>
-              <a:rPr lang="en-IN" dirty="0" smtClean="0"/>
+              <a:rPr lang="en-IN" dirty="0"/>
               <a:t>GUI</a:t>
             </a:r>
           </a:p>
@@ -6203,31 +5936,27 @@
           </a:p>
           <a:p>
             <a:r>
-              <a:rPr lang="en-IN" dirty="0" smtClean="0"/>
+              <a:rPr lang="en-IN" dirty="0"/>
               <a:t>Hardware:</a:t>
             </a:r>
           </a:p>
           <a:p>
+            <a:r>
+              <a:rPr lang="en-IN" dirty="0"/>
+              <a:t> 	</a:t>
+            </a:r>
+            <a:r>
+              <a:rPr lang="en-IN" dirty="0" err="1"/>
+              <a:t>Arduino</a:t>
+            </a:r>
             <a:r>
               <a:rPr lang="en-IN" dirty="0"/>
               <a:t> </a:t>
             </a:r>
-            <a:r>
-              <a:rPr lang="en-IN" dirty="0" smtClean="0"/>
-              <a:t>	</a:t>
-            </a:r>
-            <a:r>
-              <a:rPr lang="en-IN" dirty="0" err="1" smtClean="0"/>
-              <a:t>Arduino</a:t>
-            </a:r>
-            <a:r>
-              <a:rPr lang="en-IN" dirty="0" smtClean="0"/>
-              <a:t> </a:t>
-            </a:r>
-          </a:p>
-          <a:p>
-            <a:r>
-              <a:rPr lang="en-IN" dirty="0" smtClean="0"/>
+          </a:p>
+          <a:p>
+            <a:r>
+              <a:rPr lang="en-IN" dirty="0"/>
               <a:t>	Raspberry pi</a:t>
             </a:r>
           </a:p>
@@ -6236,21 +5965,16 @@
               <a:buNone/>
             </a:pPr>
             <a:r>
-              <a:rPr lang="en-IN" dirty="0" smtClean="0"/>
-              <a:t>Equipment </a:t>
-            </a:r>
-            <a:r>
               <a:rPr lang="en-IN" dirty="0"/>
-              <a:t>list: </a:t>
-            </a:r>
-            <a:endParaRPr lang="en-IN" dirty="0" smtClean="0"/>
+              <a:t>Equipment list: </a:t>
+            </a:r>
           </a:p>
           <a:p>
             <a:pPr marL="292608" lvl="1" indent="0">
               <a:buNone/>
             </a:pPr>
             <a:r>
-              <a:rPr lang="en-IN" dirty="0" smtClean="0"/>
+              <a:rPr lang="en-IN" dirty="0"/>
               <a:t>servo motors</a:t>
             </a:r>
           </a:p>
@@ -6259,7 +5983,7 @@
               <a:buNone/>
             </a:pPr>
             <a:r>
-              <a:rPr lang="en-IN" dirty="0" smtClean="0"/>
+              <a:rPr lang="en-IN" dirty="0"/>
               <a:t>Jumpers</a:t>
             </a:r>
           </a:p>
@@ -6268,10 +5992,9 @@
               <a:buNone/>
             </a:pPr>
             <a:r>
-              <a:rPr lang="en-IN" dirty="0" smtClean="0"/>
+              <a:rPr lang="en-IN" dirty="0"/>
               <a:t>breadboards</a:t>
             </a:r>
-            <a:endParaRPr lang="en-IN" dirty="0"/>
           </a:p>
         </p:txBody>
       </p:sp>
@@ -6292,7 +6015,7 @@
           <a:p>
             <a:fld id="{6EDFFDCC-11D1-4F52-A9CB-BBBE88751C87}" type="datetime1">
               <a:rPr lang="en-IN" smtClean="0"/>
-              <a:t>14-08-2019</a:t>
+              <a:t>30-06-2021</a:t>
             </a:fld>
             <a:endParaRPr lang="en-IN"/>
           </a:p>
@@ -6314,10 +6037,9 @@
           <a:lstStyle/>
           <a:p>
             <a:r>
-              <a:rPr lang="en-IN" smtClean="0"/>
+              <a:rPr lang="en-IN"/>
               <a:t>VIT-AP University, Amaravati</a:t>
             </a:r>
-            <a:endParaRPr lang="en-IN"/>
           </a:p>
         </p:txBody>
       </p:sp>
@@ -6354,13 +6076,6 @@
   <p:clrMapOvr>
     <a:masterClrMapping/>
   </p:clrMapOvr>
-  <p:timing>
-    <p:tnLst>
-      <p:par>
-        <p:cTn id="1" dur="indefinite" restart="never" nodeType="tmRoot"/>
-      </p:par>
-    </p:tnLst>
-  </p:timing>
 </p:sld>
 </file>
 
@@ -6404,10 +6119,9 @@
           <a:lstStyle/>
           <a:p>
             <a:r>
-              <a:rPr lang="en-IN" sz="2400" b="1" dirty="0" smtClean="0"/>
+              <a:rPr lang="en-IN" sz="2400" b="1" dirty="0"/>
               <a:t>3.Architecture Diagram</a:t>
             </a:r>
-            <a:endParaRPr lang="en-IN" sz="2400" b="1" dirty="0"/>
           </a:p>
         </p:txBody>
       </p:sp>
@@ -6428,7 +6142,7 @@
           <a:p>
             <a:fld id="{6EDFFDCC-11D1-4F52-A9CB-BBBE88751C87}" type="datetime1">
               <a:rPr lang="en-IN" smtClean="0"/>
-              <a:t>14-08-2019</a:t>
+              <a:t>30-06-2021</a:t>
             </a:fld>
             <a:endParaRPr lang="en-IN"/>
           </a:p>
@@ -6450,10 +6164,9 @@
           <a:lstStyle/>
           <a:p>
             <a:r>
-              <a:rPr lang="en-IN" smtClean="0"/>
+              <a:rPr lang="en-IN"/>
               <a:t>VIT-AP University, Amaravati</a:t>
             </a:r>
-            <a:endParaRPr lang="en-IN"/>
           </a:p>
         </p:txBody>
       </p:sp>
@@ -6519,13 +6232,6 @@
   <p:clrMapOvr>
     <a:masterClrMapping/>
   </p:clrMapOvr>
-  <p:timing>
-    <p:tnLst>
-      <p:par>
-        <p:cTn id="1" dur="indefinite" restart="never" nodeType="tmRoot"/>
-      </p:par>
-    </p:tnLst>
-  </p:timing>
 </p:sld>
 </file>
 
@@ -6563,7 +6269,7 @@
           <a:p>
             <a:fld id="{6EDFFDCC-11D1-4F52-A9CB-BBBE88751C87}" type="datetime1">
               <a:rPr lang="en-IN" smtClean="0"/>
-              <a:t>14-08-2019</a:t>
+              <a:t>30-06-2021</a:t>
             </a:fld>
             <a:endParaRPr lang="en-IN"/>
           </a:p>
@@ -6585,10 +6291,9 @@
           <a:lstStyle/>
           <a:p>
             <a:r>
-              <a:rPr lang="en-IN" smtClean="0"/>
+              <a:rPr lang="en-IN"/>
               <a:t>VIT-AP University, Amaravati</a:t>
             </a:r>
-            <a:endParaRPr lang="en-IN"/>
           </a:p>
         </p:txBody>
       </p:sp>
@@ -6654,13 +6359,6 @@
   <p:clrMapOvr>
     <a:masterClrMapping/>
   </p:clrMapOvr>
-  <p:timing>
-    <p:tnLst>
-      <p:par>
-        <p:cTn id="1" dur="indefinite" restart="never" nodeType="tmRoot"/>
-      </p:par>
-    </p:tnLst>
-  </p:timing>
 </p:sld>
 </file>
 
@@ -6704,10 +6402,9 @@
           <a:lstStyle/>
           <a:p>
             <a:r>
-              <a:rPr lang="en-IN" sz="2400" b="1" dirty="0" smtClean="0"/>
+              <a:rPr lang="en-IN" sz="2400" b="1" dirty="0"/>
               <a:t>4.Equipment Identified</a:t>
             </a:r>
-            <a:endParaRPr lang="en-IN" sz="2400" b="1" dirty="0"/>
           </a:p>
         </p:txBody>
       </p:sp>
@@ -6740,28 +6437,28 @@
                 <a:gridCol w="1051563">
                   <a:extLst>
                     <a:ext uri="{9D8B030D-6E8A-4147-A177-3AD203B41FA5}">
-                      <a16:colId xmlns="" xmlns:a16="http://schemas.microsoft.com/office/drawing/2014/main" val="1831384635"/>
+                      <a16:colId xmlns:a16="http://schemas.microsoft.com/office/drawing/2014/main" val="1831384635"/>
                     </a:ext>
                   </a:extLst>
                 </a:gridCol>
                 <a:gridCol w="3846790">
                   <a:extLst>
                     <a:ext uri="{9D8B030D-6E8A-4147-A177-3AD203B41FA5}">
-                      <a16:colId xmlns="" xmlns:a16="http://schemas.microsoft.com/office/drawing/2014/main" val="1140807320"/>
+                      <a16:colId xmlns:a16="http://schemas.microsoft.com/office/drawing/2014/main" val="1140807320"/>
                     </a:ext>
                   </a:extLst>
                 </a:gridCol>
                 <a:gridCol w="2449177">
                   <a:extLst>
                     <a:ext uri="{9D8B030D-6E8A-4147-A177-3AD203B41FA5}">
-                      <a16:colId xmlns="" xmlns:a16="http://schemas.microsoft.com/office/drawing/2014/main" val="748907758"/>
+                      <a16:colId xmlns:a16="http://schemas.microsoft.com/office/drawing/2014/main" val="748907758"/>
                     </a:ext>
                   </a:extLst>
                 </a:gridCol>
                 <a:gridCol w="2449177">
                   <a:extLst>
                     <a:ext uri="{9D8B030D-6E8A-4147-A177-3AD203B41FA5}">
-                      <a16:colId xmlns="" xmlns:a16="http://schemas.microsoft.com/office/drawing/2014/main" val="237218125"/>
+                      <a16:colId xmlns:a16="http://schemas.microsoft.com/office/drawing/2014/main" val="237218125"/>
                     </a:ext>
                   </a:extLst>
                 </a:gridCol>
@@ -6774,7 +6471,7 @@
                     <a:p>
                       <a:pPr algn="ctr"/>
                       <a:r>
-                        <a:rPr lang="en-IN" dirty="0" err="1" smtClean="0"/>
+                        <a:rPr lang="en-IN" dirty="0" err="1"/>
                         <a:t>S.No</a:t>
                       </a:r>
                       <a:endParaRPr lang="en-IN" dirty="0"/>
@@ -6789,10 +6486,9 @@
                     <a:p>
                       <a:pPr algn="ctr"/>
                       <a:r>
-                        <a:rPr lang="en-IN" dirty="0" smtClean="0"/>
+                        <a:rPr lang="en-IN" dirty="0"/>
                         <a:t>Name of Equipment</a:t>
                       </a:r>
-                      <a:endParaRPr lang="en-IN" dirty="0"/>
                     </a:p>
                   </a:txBody>
                   <a:tcPr/>
@@ -6804,10 +6500,9 @@
                     <a:p>
                       <a:pPr algn="ctr"/>
                       <a:r>
-                        <a:rPr lang="en-IN" dirty="0" smtClean="0"/>
+                        <a:rPr lang="en-IN" dirty="0"/>
                         <a:t>Quantity</a:t>
                       </a:r>
-                      <a:endParaRPr lang="en-IN" dirty="0"/>
                     </a:p>
                   </a:txBody>
                   <a:tcPr/>
@@ -6819,17 +6514,16 @@
                     <a:p>
                       <a:pPr algn="ctr"/>
                       <a:r>
-                        <a:rPr lang="en-IN" dirty="0" smtClean="0"/>
+                        <a:rPr lang="en-IN" dirty="0"/>
                         <a:t>Cost</a:t>
                       </a:r>
-                      <a:endParaRPr lang="en-IN" dirty="0"/>
                     </a:p>
                   </a:txBody>
                   <a:tcPr/>
                 </a:tc>
                 <a:extLst>
                   <a:ext uri="{0D108BD9-81ED-4DB2-BD59-A6C34878D82A}">
-                    <a16:rowId xmlns="" xmlns:a16="http://schemas.microsoft.com/office/drawing/2014/main" val="3636988847"/>
+                    <a16:rowId xmlns:a16="http://schemas.microsoft.com/office/drawing/2014/main" val="3636988847"/>
                   </a:ext>
                 </a:extLst>
               </a:tr>
@@ -6841,10 +6535,9 @@
                     <a:p>
                       <a:pPr algn="ctr"/>
                       <a:r>
-                        <a:rPr lang="en-IN" dirty="0" smtClean="0"/>
+                        <a:rPr lang="en-IN" dirty="0"/>
                         <a:t>1</a:t>
                       </a:r>
-                      <a:endParaRPr lang="en-IN" dirty="0"/>
                     </a:p>
                   </a:txBody>
                   <a:tcPr/>
@@ -6856,10 +6549,9 @@
                     <a:p>
                       <a:pPr algn="ctr"/>
                       <a:r>
-                        <a:rPr lang="en-IN" dirty="0" smtClean="0"/>
+                        <a:rPr lang="en-IN" dirty="0"/>
                         <a:t>Arduino Uno</a:t>
                       </a:r>
-                      <a:endParaRPr lang="en-IN" dirty="0"/>
                     </a:p>
                   </a:txBody>
                   <a:tcPr/>
@@ -6871,10 +6563,9 @@
                     <a:p>
                       <a:pPr algn="ctr"/>
                       <a:r>
-                        <a:rPr lang="en-IN" dirty="0" smtClean="0"/>
+                        <a:rPr lang="en-IN" dirty="0"/>
                         <a:t>1</a:t>
                       </a:r>
-                      <a:endParaRPr lang="en-IN" dirty="0"/>
                     </a:p>
                   </a:txBody>
                   <a:tcPr/>
@@ -6886,17 +6577,16 @@
                     <a:p>
                       <a:pPr algn="ctr"/>
                       <a:r>
-                        <a:rPr lang="en-IN" dirty="0" smtClean="0"/>
+                        <a:rPr lang="en-IN" dirty="0"/>
                         <a:t>Rs.450</a:t>
                       </a:r>
-                      <a:endParaRPr lang="en-IN" dirty="0"/>
                     </a:p>
                   </a:txBody>
                   <a:tcPr/>
                 </a:tc>
                 <a:extLst>
                   <a:ext uri="{0D108BD9-81ED-4DB2-BD59-A6C34878D82A}">
-                    <a16:rowId xmlns="" xmlns:a16="http://schemas.microsoft.com/office/drawing/2014/main" val="1585980959"/>
+                    <a16:rowId xmlns:a16="http://schemas.microsoft.com/office/drawing/2014/main" val="1585980959"/>
                   </a:ext>
                 </a:extLst>
               </a:tr>
@@ -6908,10 +6598,9 @@
                     <a:p>
                       <a:pPr algn="ctr"/>
                       <a:r>
-                        <a:rPr lang="en-IN" dirty="0" smtClean="0"/>
+                        <a:rPr lang="en-IN" dirty="0"/>
                         <a:t>2.</a:t>
                       </a:r>
-                      <a:endParaRPr lang="en-IN" dirty="0"/>
                     </a:p>
                   </a:txBody>
                   <a:tcPr/>
@@ -6923,10 +6612,9 @@
                     <a:p>
                       <a:pPr algn="ctr"/>
                       <a:r>
-                        <a:rPr lang="en-IN" dirty="0" smtClean="0"/>
+                        <a:rPr lang="en-IN" dirty="0"/>
                         <a:t>Raspberry pi</a:t>
                       </a:r>
-                      <a:endParaRPr lang="en-IN" dirty="0"/>
                     </a:p>
                   </a:txBody>
                   <a:tcPr/>
@@ -6938,10 +6626,9 @@
                     <a:p>
                       <a:pPr algn="ctr"/>
                       <a:r>
-                        <a:rPr lang="en-IN" dirty="0" smtClean="0"/>
+                        <a:rPr lang="en-IN" dirty="0"/>
                         <a:t>1</a:t>
                       </a:r>
-                      <a:endParaRPr lang="en-IN" dirty="0"/>
                     </a:p>
                   </a:txBody>
                   <a:tcPr/>
@@ -6953,17 +6640,16 @@
                     <a:p>
                       <a:pPr algn="ctr"/>
                       <a:r>
-                        <a:rPr lang="en-IN" dirty="0" smtClean="0"/>
+                        <a:rPr lang="en-IN" dirty="0"/>
                         <a:t> Rs.3138</a:t>
                       </a:r>
-                      <a:endParaRPr lang="en-IN" dirty="0"/>
                     </a:p>
                   </a:txBody>
                   <a:tcPr/>
                 </a:tc>
                 <a:extLst>
                   <a:ext uri="{0D108BD9-81ED-4DB2-BD59-A6C34878D82A}">
-                    <a16:rowId xmlns="" xmlns:a16="http://schemas.microsoft.com/office/drawing/2014/main" val="3945280157"/>
+                    <a16:rowId xmlns:a16="http://schemas.microsoft.com/office/drawing/2014/main" val="3945280157"/>
                   </a:ext>
                 </a:extLst>
               </a:tr>
@@ -6975,10 +6661,9 @@
                     <a:p>
                       <a:pPr algn="ctr"/>
                       <a:r>
-                        <a:rPr lang="en-IN" dirty="0" smtClean="0"/>
+                        <a:rPr lang="en-IN" dirty="0"/>
                         <a:t>3.</a:t>
                       </a:r>
-                      <a:endParaRPr lang="en-IN" dirty="0"/>
                     </a:p>
                   </a:txBody>
                   <a:tcPr/>
@@ -6990,10 +6675,9 @@
                     <a:p>
                       <a:pPr algn="ctr"/>
                       <a:r>
-                        <a:rPr lang="en-IN" dirty="0" smtClean="0"/>
+                        <a:rPr lang="en-IN" dirty="0"/>
                         <a:t>Servo motors</a:t>
                       </a:r>
-                      <a:endParaRPr lang="en-IN" dirty="0"/>
                     </a:p>
                   </a:txBody>
                   <a:tcPr/>
@@ -7005,10 +6689,9 @@
                     <a:p>
                       <a:pPr algn="ctr"/>
                       <a:r>
-                        <a:rPr lang="en-IN" dirty="0" smtClean="0"/>
+                        <a:rPr lang="en-IN" dirty="0"/>
                         <a:t>2</a:t>
                       </a:r>
-                      <a:endParaRPr lang="en-IN" dirty="0"/>
                     </a:p>
                   </a:txBody>
                   <a:tcPr/>
@@ -7020,17 +6703,16 @@
                     <a:p>
                       <a:pPr algn="ctr"/>
                       <a:r>
-                        <a:rPr lang="en-IN" dirty="0" smtClean="0"/>
+                        <a:rPr lang="en-IN" dirty="0"/>
                         <a:t>Rs.129</a:t>
                       </a:r>
-                      <a:endParaRPr lang="en-IN" dirty="0"/>
                     </a:p>
                   </a:txBody>
                   <a:tcPr/>
                 </a:tc>
                 <a:extLst>
                   <a:ext uri="{0D108BD9-81ED-4DB2-BD59-A6C34878D82A}">
-                    <a16:rowId xmlns="" xmlns:a16="http://schemas.microsoft.com/office/drawing/2014/main" val="3717435139"/>
+                    <a16:rowId xmlns:a16="http://schemas.microsoft.com/office/drawing/2014/main" val="3717435139"/>
                   </a:ext>
                 </a:extLst>
               </a:tr>
@@ -7042,10 +6724,9 @@
                     <a:p>
                       <a:pPr algn="ctr"/>
                       <a:r>
-                        <a:rPr lang="en-IN" dirty="0" smtClean="0"/>
+                        <a:rPr lang="en-IN" dirty="0"/>
                         <a:t>4.</a:t>
                       </a:r>
-                      <a:endParaRPr lang="en-IN" dirty="0"/>
                     </a:p>
                   </a:txBody>
                   <a:tcPr/>
@@ -7057,10 +6738,9 @@
                     <a:p>
                       <a:pPr algn="ctr"/>
                       <a:r>
-                        <a:rPr lang="en-IN" dirty="0" smtClean="0"/>
+                        <a:rPr lang="en-IN" dirty="0"/>
                         <a:t>Jumpers</a:t>
                       </a:r>
-                      <a:endParaRPr lang="en-IN" dirty="0"/>
                     </a:p>
                   </a:txBody>
                   <a:tcPr/>
@@ -7072,10 +6752,9 @@
                     <a:p>
                       <a:pPr algn="ctr"/>
                       <a:r>
-                        <a:rPr lang="en-IN" dirty="0" smtClean="0"/>
+                        <a:rPr lang="en-IN" dirty="0"/>
                         <a:t>240</a:t>
                       </a:r>
-                      <a:endParaRPr lang="en-IN" dirty="0"/>
                     </a:p>
                   </a:txBody>
                   <a:tcPr/>
@@ -7087,17 +6766,16 @@
                     <a:p>
                       <a:pPr algn="ctr"/>
                       <a:r>
-                        <a:rPr lang="en-IN" dirty="0" smtClean="0"/>
+                        <a:rPr lang="en-IN" dirty="0"/>
                         <a:t>Rs.6</a:t>
                       </a:r>
-                      <a:endParaRPr lang="en-IN" dirty="0"/>
                     </a:p>
                   </a:txBody>
                   <a:tcPr/>
                 </a:tc>
                 <a:extLst>
                   <a:ext uri="{0D108BD9-81ED-4DB2-BD59-A6C34878D82A}">
-                    <a16:rowId xmlns="" xmlns:a16="http://schemas.microsoft.com/office/drawing/2014/main" val="3909837367"/>
+                    <a16:rowId xmlns:a16="http://schemas.microsoft.com/office/drawing/2014/main" val="3909837367"/>
                   </a:ext>
                 </a:extLst>
               </a:tr>
@@ -7109,10 +6787,9 @@
                     <a:p>
                       <a:pPr algn="ctr"/>
                       <a:r>
-                        <a:rPr lang="en-IN" dirty="0" smtClean="0"/>
+                        <a:rPr lang="en-IN" dirty="0"/>
                         <a:t>5.</a:t>
                       </a:r>
-                      <a:endParaRPr lang="en-IN" dirty="0"/>
                     </a:p>
                   </a:txBody>
                   <a:tcPr/>
@@ -7124,10 +6801,9 @@
                     <a:p>
                       <a:pPr algn="ctr"/>
                       <a:r>
-                        <a:rPr lang="en-IN" dirty="0" smtClean="0"/>
+                        <a:rPr lang="en-IN" dirty="0"/>
                         <a:t>Breadboard</a:t>
                       </a:r>
-                      <a:endParaRPr lang="en-IN" dirty="0"/>
                     </a:p>
                   </a:txBody>
                   <a:tcPr/>
@@ -7139,10 +6815,9 @@
                     <a:p>
                       <a:pPr algn="ctr"/>
                       <a:r>
-                        <a:rPr lang="en-IN" dirty="0" smtClean="0"/>
+                        <a:rPr lang="en-IN" dirty="0"/>
                         <a:t>2</a:t>
                       </a:r>
-                      <a:endParaRPr lang="en-IN" dirty="0"/>
                     </a:p>
                   </a:txBody>
                   <a:tcPr/>
@@ -7154,14 +6829,18 @@
                     <a:p>
                       <a:pPr algn="ctr"/>
                       <a:r>
-                        <a:rPr lang="en-IN" dirty="0" smtClean="0"/>
+                        <a:rPr lang="en-IN" dirty="0"/>
                         <a:t>Rs.100</a:t>
                       </a:r>
-                      <a:endParaRPr lang="en-IN" dirty="0"/>
                     </a:p>
                   </a:txBody>
                   <a:tcPr/>
                 </a:tc>
+                <a:extLst>
+                  <a:ext uri="{0D108BD9-81ED-4DB2-BD59-A6C34878D82A}">
+                    <a16:rowId xmlns:a16="http://schemas.microsoft.com/office/drawing/2014/main" val="10005"/>
+                  </a:ext>
+                </a:extLst>
               </a:tr>
             </a:tbl>
           </a:graphicData>
@@ -7184,7 +6863,7 @@
           <a:p>
             <a:fld id="{6EDFFDCC-11D1-4F52-A9CB-BBBE88751C87}" type="datetime1">
               <a:rPr lang="en-IN" smtClean="0"/>
-              <a:t>14-08-2019</a:t>
+              <a:t>30-06-2021</a:t>
             </a:fld>
             <a:endParaRPr lang="en-IN"/>
           </a:p>
@@ -7206,10 +6885,9 @@
           <a:lstStyle/>
           <a:p>
             <a:r>
-              <a:rPr lang="en-IN" smtClean="0"/>
+              <a:rPr lang="en-IN"/>
               <a:t>VIT-AP University, Amaravati</a:t>
             </a:r>
-            <a:endParaRPr lang="en-IN"/>
           </a:p>
         </p:txBody>
       </p:sp>
@@ -7259,10 +6937,9 @@
           <a:lstStyle/>
           <a:p>
             <a:r>
-              <a:rPr lang="en-US" dirty="0" smtClean="0"/>
+              <a:rPr lang="en-US" dirty="0"/>
               <a:t>Total : Rs.500</a:t>
             </a:r>
-            <a:endParaRPr lang="en-US" dirty="0"/>
           </a:p>
         </p:txBody>
       </p:sp>
@@ -7276,13 +6953,6 @@
   <p:clrMapOvr>
     <a:masterClrMapping/>
   </p:clrMapOvr>
-  <p:timing>
-    <p:tnLst>
-      <p:par>
-        <p:cTn id="1" dur="indefinite" restart="never" nodeType="tmRoot"/>
-      </p:par>
-    </p:tnLst>
-  </p:timing>
 </p:sld>
 </file>
 
@@ -7326,10 +6996,9 @@
           <a:lstStyle/>
           <a:p>
             <a:r>
-              <a:rPr lang="en-IN" sz="2400" b="1" dirty="0" smtClean="0"/>
+              <a:rPr lang="en-IN" sz="2400" b="1" dirty="0"/>
               <a:t>5.Timeline Chart</a:t>
             </a:r>
-            <a:endParaRPr lang="en-IN" sz="2400" b="1" dirty="0"/>
           </a:p>
         </p:txBody>
       </p:sp>
@@ -7350,7 +7019,7 @@
           <a:p>
             <a:fld id="{6EDFFDCC-11D1-4F52-A9CB-BBBE88751C87}" type="datetime1">
               <a:rPr lang="en-IN" smtClean="0"/>
-              <a:t>14-08-2019</a:t>
+              <a:t>30-06-2021</a:t>
             </a:fld>
             <a:endParaRPr lang="en-IN"/>
           </a:p>
@@ -7372,10 +7041,9 @@
           <a:lstStyle/>
           <a:p>
             <a:r>
-              <a:rPr lang="en-IN" smtClean="0"/>
+              <a:rPr lang="en-IN"/>
               <a:t>VIT-AP University, Amaravati</a:t>
             </a:r>
-            <a:endParaRPr lang="en-IN"/>
           </a:p>
         </p:txBody>
       </p:sp>
@@ -7438,13 +7106,6 @@
   <p:clrMapOvr>
     <a:masterClrMapping/>
   </p:clrMapOvr>
-  <p:timing>
-    <p:tnLst>
-      <p:par>
-        <p:cTn id="1" dur="indefinite" restart="never" nodeType="tmRoot"/>
-      </p:par>
-    </p:tnLst>
-  </p:timing>
 </p:sld>
 </file>
 
